--- a/Documentation/Annexes/Maquettes_Schemas/Administrateurs.pptx
+++ b/Documentation/Annexes/Maquettes_Schemas/Administrateurs.pptx
@@ -5,14 +5,13 @@
     <p:sldMasterId id="2147483660" r:id="rId1"/>
   </p:sldMasterIdLst>
   <p:notesMasterIdLst>
-    <p:notesMasterId r:id="rId4"/>
+    <p:notesMasterId r:id="rId3"/>
   </p:notesMasterIdLst>
   <p:sldIdLst>
-    <p:sldId id="257" r:id="rId2"/>
-    <p:sldId id="256" r:id="rId3"/>
+    <p:sldId id="256" r:id="rId2"/>
   </p:sldIdLst>
   <p:sldSz cx="6858000" cy="12192000"/>
-  <p:notesSz cx="6858000" cy="9144000"/>
+  <p:notesSz cx="6794500" cy="9906000"/>
   <p:defaultTextStyle>
     <a:defPPr>
       <a:defRPr lang="en-US"/>
@@ -108,6 +107,11 @@
       </a:defRPr>
     </a:lvl9pPr>
   </p:defaultTextStyle>
+  <p:extLst>
+    <p:ext uri="{EFAFB233-063F-42B5-8137-9DF3F51BA10A}">
+      <p15:sldGuideLst xmlns:p15="http://schemas.microsoft.com/office/powerpoint/2012/main"/>
+    </p:ext>
+  </p:extLst>
 </p:presentation>
 </file>
 
@@ -146,7 +150,7 @@
         <p:spPr>
           <a:xfrm>
             <a:off x="0" y="0"/>
-            <a:ext cx="2971800" cy="458788"/>
+            <a:ext cx="2944283" cy="497020"/>
           </a:xfrm>
           <a:prstGeom prst="rect">
             <a:avLst/>
@@ -176,8 +180,8 @@
         </p:nvSpPr>
         <p:spPr>
           <a:xfrm>
-            <a:off x="3884613" y="0"/>
-            <a:ext cx="2971800" cy="458788"/>
+            <a:off x="3848645" y="0"/>
+            <a:ext cx="2944283" cy="497020"/>
           </a:xfrm>
           <a:prstGeom prst="rect">
             <a:avLst/>
@@ -193,7 +197,7 @@
           <a:p>
             <a:fld id="{29B8F86D-FF61-4D5F-9A9B-6E6B47D25A84}" type="datetimeFigureOut">
               <a:rPr lang="fr-CH" smtClean="0"/>
-              <a:t>07.04.2017</a:t>
+              <a:t>18.04.2017</a:t>
             </a:fld>
             <a:endParaRPr lang="fr-CH"/>
           </a:p>
@@ -211,8 +215,8 @@
         </p:nvSpPr>
         <p:spPr>
           <a:xfrm>
-            <a:off x="2560638" y="1143000"/>
-            <a:ext cx="1736725" cy="3086100"/>
+            <a:off x="2457450" y="1238250"/>
+            <a:ext cx="1879600" cy="3343275"/>
           </a:xfrm>
           <a:prstGeom prst="rect">
             <a:avLst/>
@@ -244,8 +248,8 @@
         </p:nvSpPr>
         <p:spPr>
           <a:xfrm>
-            <a:off x="685800" y="4400550"/>
-            <a:ext cx="5486400" cy="3600450"/>
+            <a:off x="679450" y="4767262"/>
+            <a:ext cx="5435600" cy="3900488"/>
           </a:xfrm>
           <a:prstGeom prst="rect">
             <a:avLst/>
@@ -304,8 +308,8 @@
         </p:nvSpPr>
         <p:spPr>
           <a:xfrm>
-            <a:off x="0" y="8685213"/>
-            <a:ext cx="2971800" cy="458787"/>
+            <a:off x="0" y="9408981"/>
+            <a:ext cx="2944283" cy="497019"/>
           </a:xfrm>
           <a:prstGeom prst="rect">
             <a:avLst/>
@@ -335,8 +339,8 @@
         </p:nvSpPr>
         <p:spPr>
           <a:xfrm>
-            <a:off x="3884613" y="8685213"/>
-            <a:ext cx="2971800" cy="458787"/>
+            <a:off x="3848645" y="9408981"/>
+            <a:ext cx="2944283" cy="497019"/>
           </a:xfrm>
           <a:prstGeom prst="rect">
             <a:avLst/>
@@ -600,7 +604,7 @@
           <a:p>
             <a:fld id="{99DA6C7F-D068-48E7-85B8-FECC8F73886A}" type="datetime1">
               <a:rPr lang="fr-CH" smtClean="0"/>
-              <a:t>07.04.2017</a:t>
+              <a:t>18.04.2017</a:t>
             </a:fld>
             <a:endParaRPr lang="fr-CH"/>
           </a:p>
@@ -774,7 +778,7 @@
           <a:p>
             <a:fld id="{76A47E45-8991-40E8-8679-F7032DB84029}" type="datetime1">
               <a:rPr lang="fr-CH" smtClean="0"/>
-              <a:t>07.04.2017</a:t>
+              <a:t>18.04.2017</a:t>
             </a:fld>
             <a:endParaRPr lang="fr-CH"/>
           </a:p>
@@ -958,7 +962,7 @@
           <a:p>
             <a:fld id="{D09A55FD-7A0A-4DC9-B573-B42F2898FA1B}" type="datetime1">
               <a:rPr lang="fr-CH" smtClean="0"/>
-              <a:t>07.04.2017</a:t>
+              <a:t>18.04.2017</a:t>
             </a:fld>
             <a:endParaRPr lang="fr-CH"/>
           </a:p>
@@ -1132,7 +1136,7 @@
           <a:p>
             <a:fld id="{96728E34-697F-425C-BAC2-91E09E9F9DFC}" type="datetime1">
               <a:rPr lang="fr-CH" smtClean="0"/>
-              <a:t>07.04.2017</a:t>
+              <a:t>18.04.2017</a:t>
             </a:fld>
             <a:endParaRPr lang="fr-CH"/>
           </a:p>
@@ -1380,7 +1384,7 @@
           <a:p>
             <a:fld id="{8CABD5CA-2B27-4950-A61F-06315E98F970}" type="datetime1">
               <a:rPr lang="fr-CH" smtClean="0"/>
-              <a:t>07.04.2017</a:t>
+              <a:t>18.04.2017</a:t>
             </a:fld>
             <a:endParaRPr lang="fr-CH"/>
           </a:p>
@@ -1616,7 +1620,7 @@
           <a:p>
             <a:fld id="{E7642966-236F-4552-9F8C-D29B2A0C79CA}" type="datetime1">
               <a:rPr lang="fr-CH" smtClean="0"/>
-              <a:t>07.04.2017</a:t>
+              <a:t>18.04.2017</a:t>
             </a:fld>
             <a:endParaRPr lang="fr-CH"/>
           </a:p>
@@ -1987,7 +1991,7 @@
           <a:p>
             <a:fld id="{30652F13-6EE9-43BB-B3D7-BFB6445BAB88}" type="datetime1">
               <a:rPr lang="fr-CH" smtClean="0"/>
-              <a:t>07.04.2017</a:t>
+              <a:t>18.04.2017</a:t>
             </a:fld>
             <a:endParaRPr lang="fr-CH"/>
           </a:p>
@@ -2109,7 +2113,7 @@
           <a:p>
             <a:fld id="{8FDE3D99-4411-4F0D-9604-1B5BC1EE01CC}" type="datetime1">
               <a:rPr lang="fr-CH" smtClean="0"/>
-              <a:t>07.04.2017</a:t>
+              <a:t>18.04.2017</a:t>
             </a:fld>
             <a:endParaRPr lang="fr-CH"/>
           </a:p>
@@ -2208,7 +2212,7 @@
           <a:p>
             <a:fld id="{BD5390AB-2588-497B-A933-4F85228536C3}" type="datetime1">
               <a:rPr lang="fr-CH" smtClean="0"/>
-              <a:t>07.04.2017</a:t>
+              <a:t>18.04.2017</a:t>
             </a:fld>
             <a:endParaRPr lang="fr-CH"/>
           </a:p>
@@ -2489,7 +2493,7 @@
           <a:p>
             <a:fld id="{9191DA67-3976-44B2-9B0F-24B732230DE8}" type="datetime1">
               <a:rPr lang="fr-CH" smtClean="0"/>
-              <a:t>07.04.2017</a:t>
+              <a:t>18.04.2017</a:t>
             </a:fld>
             <a:endParaRPr lang="fr-CH"/>
           </a:p>
@@ -2750,7 +2754,7 @@
           <a:p>
             <a:fld id="{851B4587-D604-4B3F-BC9C-72A5AD8DED23}" type="datetime1">
               <a:rPr lang="fr-CH" smtClean="0"/>
-              <a:t>07.04.2017</a:t>
+              <a:t>18.04.2017</a:t>
             </a:fld>
             <a:endParaRPr lang="fr-CH"/>
           </a:p>
@@ -2975,7 +2979,7 @@
           <a:p>
             <a:fld id="{B85626D6-BEAE-449D-8DA2-23353F6878B1}" type="datetime1">
               <a:rPr lang="fr-CH" smtClean="0"/>
-              <a:t>07.04.2017</a:t>
+              <a:t>18.04.2017</a:t>
             </a:fld>
             <a:endParaRPr lang="fr-CH"/>
           </a:p>
@@ -3387,154 +3391,6 @@
       </p:grpSpPr>
       <p:sp>
         <p:nvSpPr>
-          <p:cNvPr id="4" name="Date Placeholder 3"/>
-          <p:cNvSpPr>
-            <a:spLocks noGrp="1"/>
-          </p:cNvSpPr>
-          <p:nvPr>
-            <p:ph type="dt" sz="half" idx="10"/>
-          </p:nvPr>
-        </p:nvSpPr>
-        <p:spPr/>
-        <p:txBody>
-          <a:bodyPr/>
-          <a:lstStyle/>
-          <a:p>
-            <a:fld id="{96728E34-697F-425C-BAC2-91E09E9F9DFC}" type="datetime1">
-              <a:rPr lang="fr-CH" smtClean="0"/>
-              <a:t>07.04.2017</a:t>
-            </a:fld>
-            <a:endParaRPr lang="fr-CH"/>
-          </a:p>
-        </p:txBody>
-      </p:sp>
-      <p:sp>
-        <p:nvSpPr>
-          <p:cNvPr id="5" name="Footer Placeholder 4"/>
-          <p:cNvSpPr>
-            <a:spLocks noGrp="1"/>
-          </p:cNvSpPr>
-          <p:nvPr>
-            <p:ph type="ftr" sz="quarter" idx="11"/>
-          </p:nvPr>
-        </p:nvSpPr>
-        <p:spPr/>
-        <p:txBody>
-          <a:bodyPr/>
-          <a:lstStyle/>
-          <a:p>
-            <a:r>
-              <a:rPr lang="fr-CH" smtClean="0"/>
-              <a:t>Bonjour Mickael</a:t>
-            </a:r>
-            <a:endParaRPr lang="fr-CH"/>
-          </a:p>
-        </p:txBody>
-      </p:sp>
-      <p:sp>
-        <p:nvSpPr>
-          <p:cNvPr id="6" name="Slide Number Placeholder 5"/>
-          <p:cNvSpPr>
-            <a:spLocks noGrp="1"/>
-          </p:cNvSpPr>
-          <p:nvPr>
-            <p:ph type="sldNum" sz="quarter" idx="12"/>
-          </p:nvPr>
-        </p:nvSpPr>
-        <p:spPr/>
-        <p:txBody>
-          <a:bodyPr/>
-          <a:lstStyle/>
-          <a:p>
-            <a:fld id="{149B94A5-399D-40B2-BFF6-393071D12B3A}" type="slidenum">
-              <a:rPr lang="fr-CH" smtClean="0"/>
-              <a:t>1</a:t>
-            </a:fld>
-            <a:endParaRPr lang="fr-CH"/>
-          </a:p>
-        </p:txBody>
-      </p:sp>
-      <p:sp>
-        <p:nvSpPr>
-          <p:cNvPr id="7" name="Title 1"/>
-          <p:cNvSpPr txBox="1">
-            <a:spLocks/>
-          </p:cNvSpPr>
-          <p:nvPr/>
-        </p:nvSpPr>
-        <p:spPr>
-          <a:xfrm>
-            <a:off x="558574" y="4611514"/>
-            <a:ext cx="5915025" cy="2356556"/>
-          </a:xfrm>
-          <a:prstGeom prst="rect">
-            <a:avLst/>
-          </a:prstGeom>
-        </p:spPr>
-        <p:txBody>
-          <a:bodyPr vert="horz" lIns="91440" tIns="45720" rIns="91440" bIns="45720" rtlCol="0" anchor="ctr">
-            <a:normAutofit fontScale="90000" lnSpcReduction="10000"/>
-          </a:bodyPr>
-          <a:lstStyle>
-            <a:lvl1pPr algn="l" defTabSz="685800" rtl="0" eaLnBrk="1" latinLnBrk="0" hangingPunct="1">
-              <a:lnSpc>
-                <a:spcPct val="90000"/>
-              </a:lnSpc>
-              <a:spcBef>
-                <a:spcPct val="0"/>
-              </a:spcBef>
-              <a:buNone/>
-              <a:defRPr sz="3300" kern="1200">
-                <a:solidFill>
-                  <a:schemeClr val="tx1"/>
-                </a:solidFill>
-                <a:latin typeface="+mj-lt"/>
-                <a:ea typeface="+mj-ea"/>
-                <a:cs typeface="+mj-cs"/>
-              </a:defRPr>
-            </a:lvl1pPr>
-          </a:lstStyle>
-          <a:p>
-            <a:r>
-              <a:rPr lang="en-US" smtClean="0"/>
-              <a:t>Attention ce sont juste des squelettes pour voir plus ou moins le fonctionnement de mon appli côté Archers, Il faut imaginer que les composants du FrameWork CSS choisi vont remplacés mes éléments</a:t>
-            </a:r>
-            <a:endParaRPr lang="fr-CH" dirty="0"/>
-          </a:p>
-        </p:txBody>
-      </p:sp>
-    </p:spTree>
-    <p:extLst>
-      <p:ext uri="{BB962C8B-B14F-4D97-AF65-F5344CB8AC3E}">
-        <p14:creationId xmlns:p14="http://schemas.microsoft.com/office/powerpoint/2010/main" val="2010823002"/>
-      </p:ext>
-    </p:extLst>
-  </p:cSld>
-  <p:clrMapOvr>
-    <a:masterClrMapping/>
-  </p:clrMapOvr>
-</p:sld>
-</file>
-
-<file path=ppt/slides/slide2.xml><?xml version="1.0" encoding="utf-8"?>
-<p:sld xmlns:a="http://schemas.openxmlformats.org/drawingml/2006/main" xmlns:r="http://schemas.openxmlformats.org/officeDocument/2006/relationships" xmlns:p="http://schemas.openxmlformats.org/presentationml/2006/main">
-  <p:cSld>
-    <p:spTree>
-      <p:nvGrpSpPr>
-        <p:cNvPr id="1" name=""/>
-        <p:cNvGrpSpPr/>
-        <p:nvPr/>
-      </p:nvGrpSpPr>
-      <p:grpSpPr>
-        <a:xfrm>
-          <a:off x="0" y="0"/>
-          <a:ext cx="0" cy="0"/>
-          <a:chOff x="0" y="0"/>
-          <a:chExt cx="0" cy="0"/>
-        </a:xfrm>
-      </p:grpSpPr>
-      <p:sp>
-        <p:nvSpPr>
           <p:cNvPr id="3" name="Subtitle 2"/>
           <p:cNvSpPr>
             <a:spLocks noGrp="1"/>
@@ -3555,15 +3411,7 @@
           <a:p>
             <a:r>
               <a:rPr lang="en-US" dirty="0" smtClean="0"/>
-              <a:t>Page </a:t>
-            </a:r>
-            <a:r>
-              <a:rPr lang="en-US" dirty="0" err="1" smtClean="0"/>
-              <a:t>spéciale</a:t>
-            </a:r>
-            <a:r>
-              <a:rPr lang="en-US" dirty="0" smtClean="0"/>
-              <a:t> pour les Admins (</a:t>
+              <a:t>Page spéciale pour les Admins (</a:t>
             </a:r>
             <a:r>
               <a:rPr lang="en-US" dirty="0" err="1" smtClean="0"/>
@@ -3616,7 +3464,7 @@
           <a:p>
             <a:fld id="{6290367C-49E8-4441-AA98-94C3546F15C4}" type="datetime1">
               <a:rPr lang="fr-CH" smtClean="0"/>
-              <a:t>07.04.2017</a:t>
+              <a:t>18.04.2017</a:t>
             </a:fld>
             <a:endParaRPr lang="fr-CH"/>
           </a:p>
@@ -3638,7 +3486,7 @@
           <a:lstStyle/>
           <a:p>
             <a:r>
-              <a:rPr lang="en-US" smtClean="0"/>
+              <a:rPr lang="en-US" dirty="0" smtClean="0"/>
               <a:t>Bonjour Mickael</a:t>
             </a:r>
             <a:endParaRPr lang="fr-CH" dirty="0"/>
@@ -3662,7 +3510,7 @@
           <a:p>
             <a:fld id="{149B94A5-399D-40B2-BFF6-393071D12B3A}" type="slidenum">
               <a:rPr lang="fr-CH" smtClean="0"/>
-              <a:t>2</a:t>
+              <a:t>1</a:t>
             </a:fld>
             <a:endParaRPr lang="fr-CH"/>
           </a:p>
@@ -3969,11 +3817,7 @@
             <a:pPr algn="ctr"/>
             <a:r>
               <a:rPr lang="en-US" dirty="0" smtClean="0"/>
-              <a:t>Nom </a:t>
-            </a:r>
-            <a:r>
-              <a:rPr lang="en-US" dirty="0" err="1" smtClean="0"/>
-              <a:t>Prénom</a:t>
+              <a:t>Nom Prénom</a:t>
             </a:r>
             <a:endParaRPr lang="fr-CH" dirty="0"/>
           </a:p>
@@ -4114,6 +3958,35 @@
               <a:t>Shoots</a:t>
             </a:r>
             <a:endParaRPr lang="fr-CH" i="1" dirty="0"/>
+          </a:p>
+        </p:txBody>
+      </p:sp>
+      <p:sp>
+        <p:nvSpPr>
+          <p:cNvPr id="8" name="Rectangle 7"/>
+          <p:cNvSpPr/>
+          <p:nvPr/>
+        </p:nvSpPr>
+        <p:spPr>
+          <a:xfrm>
+            <a:off x="569050" y="1296160"/>
+            <a:ext cx="5719899" cy="584775"/>
+          </a:xfrm>
+          <a:prstGeom prst="rect">
+            <a:avLst/>
+          </a:prstGeom>
+        </p:spPr>
+        <p:txBody>
+          <a:bodyPr wrap="none">
+            <a:spAutoFit/>
+          </a:bodyPr>
+          <a:lstStyle/>
+          <a:p>
+            <a:r>
+              <a:rPr lang="en-US" sz="3200" b="1" dirty="0"/>
+              <a:t>MAQUETTES ADMINISTRATEURS</a:t>
+            </a:r>
+            <a:endParaRPr lang="fr-CH" sz="3200" b="1" dirty="0"/>
           </a:p>
         </p:txBody>
       </p:sp>
